--- a/Later/Spring/4_Dependency_Injection/14/Constructor Injection with Map having Dependent Object_keyvalueRef.pptx
+++ b/Later/Spring/4_Dependency_Injection/14/Constructor Injection with Map having Dependent Object_keyvalueRef.pptx
@@ -5236,7 +5236,6 @@
               <a:rPr lang="en-US" sz="1200" dirty="0"/>
               <a:t> attributes of entry element is used to define the reference of bean in the map.</a:t>
             </a:r>
-            <a:endParaRPr lang="en-US" sz="1200" dirty="0"/>
           </a:p>
         </p:txBody>
       </p:sp>
@@ -5673,7 +5672,6 @@
               <a:rPr lang="en-US" sz="900" dirty="0" smtClean="0"/>
               <a:t>FruitInfo</a:t>
             </a:r>
-            <a:endParaRPr lang="en-US" sz="900" dirty="0" smtClean="0"/>
           </a:p>
           <a:p>
             <a:r>
@@ -5722,11 +5720,7 @@
           <a:p>
             <a:r>
               <a:rPr lang="en-US" sz="800" dirty="0"/>
-              <a:t>FruitInfo [</a:t>
-            </a:r>
-            <a:r>
-              <a:rPr lang="en-US" sz="800" dirty="0"/>
-              <a:t>mapOfFruitSellerAndFruit</a:t>
+              <a:t>FruitInfo [mapOfFruitSellerAndFruit</a:t>
             </a:r>
             <a:r>
               <a:rPr lang="en-US" sz="800" dirty="0" smtClean="0"/>
@@ -5734,11 +5728,7 @@
             </a:r>
             <a:r>
               <a:rPr lang="en-US" sz="800" dirty="0"/>
-              <a:t>FruitSeller</a:t>
-            </a:r>
-            <a:r>
-              <a:rPr lang="en-US" sz="800" dirty="0"/>
-              <a:t> </a:t>
+              <a:t>FruitSeller </a:t>
             </a:r>
             <a:endParaRPr lang="en-US" sz="800" dirty="0" smtClean="0"/>
           </a:p>
@@ -5756,11 +5746,7 @@
           <a:p>
             <a:r>
               <a:rPr lang="en-US" sz="800" dirty="0" smtClean="0"/>
-              <a:t>emailId</a:t>
-            </a:r>
-            <a:r>
-              <a:rPr lang="en-US" sz="800" dirty="0" smtClean="0"/>
-              <a:t>=Peter@yahoo.com]=</a:t>
+              <a:t>emailId=Peter@yahoo.com]=</a:t>
             </a:r>
             <a:r>
               <a:rPr lang="en-US" sz="800" dirty="0"/>
@@ -5783,15 +5769,7 @@
             </a:r>
             <a:r>
               <a:rPr lang="en-US" sz="800" dirty="0"/>
-              <a:t>], </a:t>
-            </a:r>
-            <a:r>
-              <a:rPr lang="en-US" sz="800" dirty="0"/>
-              <a:t>FruitSeller</a:t>
-            </a:r>
-            <a:r>
-              <a:rPr lang="en-US" sz="800" dirty="0"/>
-              <a:t> </a:t>
+              <a:t>], FruitSeller </a:t>
             </a:r>
             <a:endParaRPr lang="en-US" sz="800" dirty="0" smtClean="0"/>
           </a:p>
@@ -5809,11 +5787,7 @@
           <a:p>
             <a:r>
               <a:rPr lang="en-US" sz="800" dirty="0" smtClean="0"/>
-              <a:t>emailId</a:t>
-            </a:r>
-            <a:r>
-              <a:rPr lang="en-US" sz="800" dirty="0" smtClean="0"/>
-              <a:t>=John@gmail.com]=</a:t>
+              <a:t>emailId=John@gmail.com]=</a:t>
             </a:r>
           </a:p>
           <a:p>
@@ -5825,7 +5799,6 @@
               <a:rPr lang="en-US" sz="800" dirty="0"/>
               <a:t>[name=Grapes, color=Violet]}]</a:t>
             </a:r>
-            <a:endParaRPr lang="en-US" sz="800" dirty="0"/>
           </a:p>
         </p:txBody>
       </p:sp>
@@ -5952,11 +5925,7 @@
             </a:r>
             <a:r>
               <a:rPr lang="en-US" sz="1100" dirty="0" smtClean="0"/>
-              <a:t>FruitInfo </a:t>
-            </a:r>
-            <a:r>
-              <a:rPr lang="en-US" sz="1100" dirty="0" smtClean="0"/>
-              <a:t>object</a:t>
+              <a:t>FruitInfo object</a:t>
             </a:r>
             <a:r>
               <a:rPr lang="en-US" sz="1100" dirty="0"/>
@@ -5974,11 +5943,7 @@
             </a:r>
             <a:r>
               <a:rPr lang="en-US" sz="1100" dirty="0" smtClean="0"/>
-              <a:t>FruitInfo </a:t>
-            </a:r>
-            <a:r>
-              <a:rPr lang="en-US" sz="1100" dirty="0" smtClean="0"/>
-              <a:t>object </a:t>
+              <a:t>FruitInfo object </a:t>
             </a:r>
             <a:r>
               <a:rPr lang="en-US" sz="1100" dirty="0"/>
@@ -6704,9 +6669,132 @@
           </a:p>
         </p:txBody>
       </p:sp>
+      <p:sp>
+        <p:nvSpPr>
+          <p:cNvPr id="6" name="Rounded Rectangle 5"/>
+          <p:cNvSpPr/>
+          <p:nvPr/>
+        </p:nvSpPr>
+        <p:spPr>
+          <a:xfrm>
+            <a:off x="184150" y="2771775"/>
+            <a:ext cx="8759825" cy="2209800"/>
+          </a:xfrm>
+          <a:prstGeom prst="roundRect">
+            <a:avLst/>
+          </a:prstGeom>
+          <a:ln w="3175"/>
+        </p:spPr>
+        <p:style>
+          <a:lnRef idx="2">
+            <a:schemeClr val="accent5"/>
+          </a:lnRef>
+          <a:fillRef idx="1">
+            <a:schemeClr val="lt1"/>
+          </a:fillRef>
+          <a:effectRef idx="0">
+            <a:schemeClr val="accent5"/>
+          </a:effectRef>
+          <a:fontRef idx="minor">
+            <a:schemeClr val="dk1"/>
+          </a:fontRef>
+        </p:style>
+        <p:txBody>
+          <a:bodyPr rtlCol="0" anchor="ctr"/>
+          <a:lstStyle/>
+          <a:p>
+            <a:r>
+              <a:rPr lang="en-US" sz="800" dirty="0"/>
+              <a:t>Jan 05, 2018 3:34:20 PM org.springframework.context.support.AbstractApplicationContext prepareRefresh</a:t>
+            </a:r>
+          </a:p>
+          <a:p>
+            <a:r>
+              <a:rPr lang="en-US" sz="800" dirty="0"/>
+              <a:t>INFO: Refreshing org.springframework.context.support.ClassPathXmlApplicationContext@69663380: startup date [Fri Jan 05 15:34:20 IST 2018]; root of context hierarchy</a:t>
+            </a:r>
+          </a:p>
+          <a:p>
+            <a:r>
+              <a:rPr lang="en-US" sz="800" dirty="0"/>
+              <a:t>Jan 05, 2018 3:34:20 PM org.springframework.beans.factory.xml.XmlBeanDefinitionReader loadBeanDefinitions</a:t>
+            </a:r>
+          </a:p>
+          <a:p>
+            <a:r>
+              <a:rPr lang="en-US" sz="800" dirty="0"/>
+              <a:t>INFO: Loading XML bean definitions from class path resource [applicationContext.xml]</a:t>
+            </a:r>
+          </a:p>
+          <a:p>
+            <a:r>
+              <a:rPr lang="en-US" sz="800" dirty="0"/>
+              <a:t>FruitSeller(String name, String emailId) constructor is called by the Spring container</a:t>
+            </a:r>
+          </a:p>
+          <a:p>
+            <a:r>
+              <a:rPr lang="en-US" sz="800" dirty="0"/>
+              <a:t>FruitSeller(String name, String emailId) constructor is called by the Spring container</a:t>
+            </a:r>
+          </a:p>
+          <a:p>
+            <a:r>
+              <a:rPr lang="en-US" sz="800" dirty="0"/>
+              <a:t>Fruit(String name, String color) constructor is called by the Spring container</a:t>
+            </a:r>
+          </a:p>
+          <a:p>
+            <a:r>
+              <a:rPr lang="en-US" sz="800" dirty="0"/>
+              <a:t>Fruit(String name, String color) constructor is called by the Spring container</a:t>
+            </a:r>
+          </a:p>
+          <a:p>
+            <a:r>
+              <a:rPr lang="en-US" sz="800" dirty="0"/>
+              <a:t>FruitInfo(Map&lt;FruitSeller, Fruit&gt; mapOfFruitSellerAndFruit) constructor is called by the Spring container</a:t>
+            </a:r>
+          </a:p>
+          <a:p>
+            <a:r>
+              <a:rPr lang="en-US" sz="800" dirty="0"/>
+              <a:t>---------------------------------------</a:t>
+            </a:r>
+          </a:p>
+          <a:p>
+            <a:r>
+              <a:rPr lang="en-US" sz="800" dirty="0"/>
+              <a:t>Got fruitInfo object from the ApplicationContext(Spring container)</a:t>
+            </a:r>
+          </a:p>
+          <a:p>
+            <a:r>
+              <a:rPr lang="en-US" sz="800" dirty="0"/>
+              <a:t>FruitInfo [mapOfFruitSellerAndFruit={FruitSeller [name=Peter, emailId=Peter@yahoo.com]=Fruit [name=Apple, color=Red], FruitSeller [name=John, emailId=John@gmail.com]=Fruit [name=Grapes, color=Violet]}]</a:t>
+            </a:r>
+          </a:p>
+          <a:p>
+            <a:r>
+              <a:rPr lang="en-US" sz="800" dirty="0"/>
+              <a:t>FruitSeller = FruitSeller [name=Peter, emailId=Peter@yahoo.com], Fruit = Fruit [name=Apple, color=Red]</a:t>
+            </a:r>
+          </a:p>
+          <a:p>
+            <a:r>
+              <a:rPr lang="en-US" sz="800" dirty="0"/>
+              <a:t>FruitSeller = FruitSeller [name=John, emailId=John@gmail.com], Fruit = Fruit [name=Grapes, color=Violet]</a:t>
+            </a:r>
+          </a:p>
+          <a:p>
+            <a:pPr algn="ctr"/>
+            <a:endParaRPr lang="en-US" sz="800" dirty="0"/>
+          </a:p>
+        </p:txBody>
+      </p:sp>
       <p:pic>
         <p:nvPicPr>
-          <p:cNvPr id="5" name="Picture 2"/>
+          <p:cNvPr id="1026" name="Picture 2"/>
           <p:cNvPicPr>
             <a:picLocks noChangeAspect="1" noChangeArrowheads="1"/>
           </p:cNvPicPr>
@@ -6727,8 +6815,8 @@
         </p:blipFill>
         <p:spPr bwMode="auto">
           <a:xfrm>
-            <a:off x="279400" y="465138"/>
-            <a:ext cx="5607050" cy="2125661"/>
+            <a:off x="307975" y="465138"/>
+            <a:ext cx="6173787" cy="2162175"/>
           </a:xfrm>
           <a:prstGeom prst="rect">
             <a:avLst/>
@@ -6750,291 +6838,6 @@
           </a:fontRef>
         </p:style>
       </p:pic>
-      <p:sp>
-        <p:nvSpPr>
-          <p:cNvPr id="6" name="Rounded Rectangle 5"/>
-          <p:cNvSpPr/>
-          <p:nvPr/>
-        </p:nvSpPr>
-        <p:spPr>
-          <a:xfrm>
-            <a:off x="184150" y="2771775"/>
-            <a:ext cx="8759825" cy="2209800"/>
-          </a:xfrm>
-          <a:prstGeom prst="roundRect">
-            <a:avLst/>
-          </a:prstGeom>
-          <a:ln w="3175"/>
-        </p:spPr>
-        <p:style>
-          <a:lnRef idx="2">
-            <a:schemeClr val="accent5"/>
-          </a:lnRef>
-          <a:fillRef idx="1">
-            <a:schemeClr val="lt1"/>
-          </a:fillRef>
-          <a:effectRef idx="0">
-            <a:schemeClr val="accent5"/>
-          </a:effectRef>
-          <a:fontRef idx="minor">
-            <a:schemeClr val="dk1"/>
-          </a:fontRef>
-        </p:style>
-        <p:txBody>
-          <a:bodyPr rtlCol="0" anchor="ctr"/>
-          <a:lstStyle/>
-          <a:p>
-            <a:r>
-              <a:rPr lang="en-US" sz="800" dirty="0"/>
-              <a:t>Jan 05, 2018 3:34:20 PM </a:t>
-            </a:r>
-            <a:r>
-              <a:rPr lang="en-US" sz="800" dirty="0"/>
-              <a:t>org.springframework.context.support.AbstractApplicationContext</a:t>
-            </a:r>
-            <a:r>
-              <a:rPr lang="en-US" sz="800" dirty="0"/>
-              <a:t> </a:t>
-            </a:r>
-            <a:r>
-              <a:rPr lang="en-US" sz="800" dirty="0"/>
-              <a:t>prepareRefresh</a:t>
-            </a:r>
-            <a:endParaRPr lang="en-US" sz="800" dirty="0"/>
-          </a:p>
-          <a:p>
-            <a:r>
-              <a:rPr lang="en-US" sz="800" dirty="0"/>
-              <a:t>INFO: Refreshing org.springframework.context.support.ClassPathXmlApplicationContext@69663380: startup date [Fri Jan 05 15:34:20 IST 2018]; root of context hierarchy</a:t>
-            </a:r>
-          </a:p>
-          <a:p>
-            <a:r>
-              <a:rPr lang="en-US" sz="800" dirty="0"/>
-              <a:t>Jan 05, 2018 3:34:20 PM </a:t>
-            </a:r>
-            <a:r>
-              <a:rPr lang="en-US" sz="800" dirty="0"/>
-              <a:t>org.springframework.beans.factory.xml.XmlBeanDefinitionReader</a:t>
-            </a:r>
-            <a:r>
-              <a:rPr lang="en-US" sz="800" dirty="0"/>
-              <a:t> </a:t>
-            </a:r>
-            <a:r>
-              <a:rPr lang="en-US" sz="800" dirty="0"/>
-              <a:t>loadBeanDefinitions</a:t>
-            </a:r>
-            <a:endParaRPr lang="en-US" sz="800" dirty="0"/>
-          </a:p>
-          <a:p>
-            <a:r>
-              <a:rPr lang="en-US" sz="800" dirty="0"/>
-              <a:t>INFO: Loading XML bean definitions from class path resource [applicationContext.xml]</a:t>
-            </a:r>
-          </a:p>
-          <a:p>
-            <a:r>
-              <a:rPr lang="en-US" sz="800" dirty="0"/>
-              <a:t>FruitSeller</a:t>
-            </a:r>
-            <a:r>
-              <a:rPr lang="en-US" sz="800" dirty="0"/>
-              <a:t>(String name, String </a:t>
-            </a:r>
-            <a:r>
-              <a:rPr lang="en-US" sz="800" dirty="0"/>
-              <a:t>emailId</a:t>
-            </a:r>
-            <a:r>
-              <a:rPr lang="en-US" sz="800" dirty="0"/>
-              <a:t>) constructor is called by the Spring container</a:t>
-            </a:r>
-          </a:p>
-          <a:p>
-            <a:r>
-              <a:rPr lang="en-US" sz="800" dirty="0"/>
-              <a:t>FruitSeller</a:t>
-            </a:r>
-            <a:r>
-              <a:rPr lang="en-US" sz="800" dirty="0"/>
-              <a:t>(String name, String </a:t>
-            </a:r>
-            <a:r>
-              <a:rPr lang="en-US" sz="800" dirty="0"/>
-              <a:t>emailId</a:t>
-            </a:r>
-            <a:r>
-              <a:rPr lang="en-US" sz="800" dirty="0"/>
-              <a:t>) constructor is called by the Spring container</a:t>
-            </a:r>
-          </a:p>
-          <a:p>
-            <a:r>
-              <a:rPr lang="en-US" sz="800" dirty="0"/>
-              <a:t>Fruit(String name, String color) constructor is called by the Spring container</a:t>
-            </a:r>
-          </a:p>
-          <a:p>
-            <a:r>
-              <a:rPr lang="en-US" sz="800" dirty="0"/>
-              <a:t>Fruit(String name, String color) constructor is called by the Spring container</a:t>
-            </a:r>
-          </a:p>
-          <a:p>
-            <a:r>
-              <a:rPr lang="en-US" sz="800" dirty="0"/>
-              <a:t>FruitInfo(Map&lt;</a:t>
-            </a:r>
-            <a:r>
-              <a:rPr lang="en-US" sz="800" dirty="0"/>
-              <a:t>FruitSeller</a:t>
-            </a:r>
-            <a:r>
-              <a:rPr lang="en-US" sz="800" dirty="0"/>
-              <a:t>, Fruit&gt; </a:t>
-            </a:r>
-            <a:r>
-              <a:rPr lang="en-US" sz="800" dirty="0"/>
-              <a:t>mapOfFruitSellerAndFruit</a:t>
-            </a:r>
-            <a:r>
-              <a:rPr lang="en-US" sz="800" dirty="0"/>
-              <a:t>) constructor is called by the Spring container</a:t>
-            </a:r>
-          </a:p>
-          <a:p>
-            <a:r>
-              <a:rPr lang="en-US" sz="800" dirty="0"/>
-              <a:t>---------------------------------------</a:t>
-            </a:r>
-          </a:p>
-          <a:p>
-            <a:r>
-              <a:rPr lang="en-US" sz="800" dirty="0"/>
-              <a:t>Got </a:t>
-            </a:r>
-            <a:r>
-              <a:rPr lang="en-US" sz="800" dirty="0"/>
-              <a:t>fruitInfo</a:t>
-            </a:r>
-            <a:r>
-              <a:rPr lang="en-US" sz="800" dirty="0"/>
-              <a:t> object from the </a:t>
-            </a:r>
-            <a:r>
-              <a:rPr lang="en-US" sz="800" dirty="0"/>
-              <a:t>ApplicationContext</a:t>
-            </a:r>
-            <a:r>
-              <a:rPr lang="en-US" sz="800" dirty="0"/>
-              <a:t>(Spring container)</a:t>
-            </a:r>
-          </a:p>
-          <a:p>
-            <a:r>
-              <a:rPr lang="en-US" sz="800" dirty="0"/>
-              <a:t>FruitInfo [</a:t>
-            </a:r>
-            <a:r>
-              <a:rPr lang="en-US" sz="800" dirty="0"/>
-              <a:t>mapOfFruitSellerAndFruit</a:t>
-            </a:r>
-            <a:r>
-              <a:rPr lang="en-US" sz="800" dirty="0"/>
-              <a:t>={</a:t>
-            </a:r>
-            <a:r>
-              <a:rPr lang="en-US" sz="800" dirty="0"/>
-              <a:t>FruitSeller</a:t>
-            </a:r>
-            <a:r>
-              <a:rPr lang="en-US" sz="800" dirty="0"/>
-              <a:t> [name=Peter, </a:t>
-            </a:r>
-            <a:r>
-              <a:rPr lang="en-US" sz="800" dirty="0"/>
-              <a:t>emailId</a:t>
-            </a:r>
-            <a:r>
-              <a:rPr lang="en-US" sz="800" dirty="0"/>
-              <a:t>=Peter@yahoo.com]=Fruit [name=Apple, color=Red], </a:t>
-            </a:r>
-            <a:r>
-              <a:rPr lang="en-US" sz="800" dirty="0"/>
-              <a:t>FruitSeller</a:t>
-            </a:r>
-            <a:r>
-              <a:rPr lang="en-US" sz="800" dirty="0"/>
-              <a:t> [name=John, </a:t>
-            </a:r>
-            <a:r>
-              <a:rPr lang="en-US" sz="800" dirty="0"/>
-              <a:t>emailId</a:t>
-            </a:r>
-            <a:r>
-              <a:rPr lang="en-US" sz="800" dirty="0"/>
-              <a:t>=John@gmail.com]=Fruit [name=Grapes, color=Violet]}]</a:t>
-            </a:r>
-          </a:p>
-          <a:p>
-            <a:r>
-              <a:rPr lang="en-US" sz="800" dirty="0"/>
-              <a:t>FruitSeller</a:t>
-            </a:r>
-            <a:r>
-              <a:rPr lang="en-US" sz="800" dirty="0"/>
-              <a:t> = </a:t>
-            </a:r>
-            <a:r>
-              <a:rPr lang="en-US" sz="800" dirty="0"/>
-              <a:t>FruitSeller</a:t>
-            </a:r>
-            <a:r>
-              <a:rPr lang="en-US" sz="800" dirty="0"/>
-              <a:t> [name=Peter, </a:t>
-            </a:r>
-            <a:r>
-              <a:rPr lang="en-US" sz="800" dirty="0"/>
-              <a:t>emailId</a:t>
-            </a:r>
-            <a:r>
-              <a:rPr lang="en-US" sz="800" dirty="0"/>
-              <a:t>=Peter@yahoo.com], Fruit = Fruit [name=Apple, color=Red]</a:t>
-            </a:r>
-          </a:p>
-          <a:p>
-            <a:r>
-              <a:rPr lang="en-US" sz="800" dirty="0"/>
-              <a:t>FruitSeller</a:t>
-            </a:r>
-            <a:r>
-              <a:rPr lang="en-US" sz="800" dirty="0"/>
-              <a:t> = </a:t>
-            </a:r>
-            <a:r>
-              <a:rPr lang="en-US" sz="800" dirty="0"/>
-              <a:t>FruitSeller</a:t>
-            </a:r>
-            <a:r>
-              <a:rPr lang="en-US" sz="800" dirty="0"/>
-              <a:t> [name=John, </a:t>
-            </a:r>
-            <a:r>
-              <a:rPr lang="en-US" sz="800" dirty="0"/>
-              <a:t>emailId</a:t>
-            </a:r>
-            <a:r>
-              <a:rPr lang="en-US" sz="800" dirty="0"/>
-              <a:t>=John@gmail.com], Fruit = Fruit [name=Grapes, color=Violet]</a:t>
-            </a:r>
-          </a:p>
-          <a:p>
-            <a:pPr algn="ctr"/>
-            <a:endParaRPr lang="en-US" sz="800" dirty="0"/>
-          </a:p>
-        </p:txBody>
-      </p:sp>
     </p:spTree>
     <p:extLst>
       <p:ext uri="{BB962C8B-B14F-4D97-AF65-F5344CB8AC3E}">
